--- a/analysis_and_design/specialist_deliverables/Mood_board_SS.pptx
+++ b/analysis_and_design/specialist_deliverables/Mood_board_SS.pptx
@@ -245,7 +245,7 @@
           <a:p>
             <a:fld id="{EA0C0817-A112-4847-8014-A94B7D2A4EA3}" type="datetime1">
               <a:rPr lang="en-US" smtClean="0"/>
-              <a:t>10/17/23</a:t>
+              <a:t>11/28/23</a:t>
             </a:fld>
             <a:endParaRPr lang="en-US" dirty="0"/>
           </a:p>
@@ -532,7 +532,7 @@
           <a:p>
             <a:fld id="{F6FA2B21-3FCD-4721-B95C-427943F61125}" type="datetime1">
               <a:rPr lang="en-US" smtClean="0"/>
-              <a:t>10/17/23</a:t>
+              <a:t>11/28/23</a:t>
             </a:fld>
             <a:endParaRPr lang="en-US"/>
           </a:p>
@@ -725,7 +725,7 @@
           <a:p>
             <a:fld id="{F6FA2B21-3FCD-4721-B95C-427943F61125}" type="datetime1">
               <a:rPr lang="en-US" smtClean="0"/>
-              <a:t>10/17/23</a:t>
+              <a:t>11/28/23</a:t>
             </a:fld>
             <a:endParaRPr lang="en-US"/>
           </a:p>
@@ -987,7 +987,7 @@
           <a:p>
             <a:fld id="{F6FA2B21-3FCD-4721-B95C-427943F61125}" type="datetime1">
               <a:rPr lang="en-US" smtClean="0"/>
-              <a:t>10/17/23</a:t>
+              <a:t>11/28/23</a:t>
             </a:fld>
             <a:endParaRPr lang="en-US"/>
           </a:p>
@@ -1412,7 +1412,7 @@
           <a:p>
             <a:fld id="{F6FA2B21-3FCD-4721-B95C-427943F61125}" type="datetime1">
               <a:rPr lang="en-US" smtClean="0"/>
-              <a:t>10/17/23</a:t>
+              <a:t>11/28/23</a:t>
             </a:fld>
             <a:endParaRPr lang="en-US"/>
           </a:p>
@@ -1959,7 +1959,7 @@
           <a:p>
             <a:fld id="{F6FA2B21-3FCD-4721-B95C-427943F61125}" type="datetime1">
               <a:rPr lang="en-US" smtClean="0"/>
-              <a:t>10/17/23</a:t>
+              <a:t>11/28/23</a:t>
             </a:fld>
             <a:endParaRPr lang="en-US"/>
           </a:p>
@@ -2800,7 +2800,7 @@
           <a:p>
             <a:fld id="{F6FA2B21-3FCD-4721-B95C-427943F61125}" type="datetime1">
               <a:rPr lang="en-US" smtClean="0"/>
-              <a:t>10/17/23</a:t>
+              <a:t>11/28/23</a:t>
             </a:fld>
             <a:endParaRPr lang="en-US"/>
           </a:p>
@@ -2971,7 +2971,7 @@
           <a:p>
             <a:fld id="{F6FA2B21-3FCD-4721-B95C-427943F61125}" type="datetime1">
               <a:rPr lang="en-US" smtClean="0"/>
-              <a:t>10/17/23</a:t>
+              <a:t>11/28/23</a:t>
             </a:fld>
             <a:endParaRPr lang="en-US"/>
           </a:p>
@@ -3156,7 +3156,7 @@
           <a:p>
             <a:fld id="{F6FA2B21-3FCD-4721-B95C-427943F61125}" type="datetime1">
               <a:rPr lang="en-US" smtClean="0"/>
-              <a:t>10/17/23</a:t>
+              <a:t>11/28/23</a:t>
             </a:fld>
             <a:endParaRPr lang="en-US"/>
           </a:p>
@@ -3327,7 +3327,7 @@
           <a:p>
             <a:fld id="{F6FA2B21-3FCD-4721-B95C-427943F61125}" type="datetime1">
               <a:rPr lang="en-US" smtClean="0"/>
-              <a:t>10/17/23</a:t>
+              <a:t>11/28/23</a:t>
             </a:fld>
             <a:endParaRPr lang="en-US"/>
           </a:p>
@@ -3576,7 +3576,7 @@
           <a:p>
             <a:fld id="{F6FA2B21-3FCD-4721-B95C-427943F61125}" type="datetime1">
               <a:rPr lang="en-US" smtClean="0"/>
-              <a:t>10/17/23</a:t>
+              <a:t>11/28/23</a:t>
             </a:fld>
             <a:endParaRPr lang="en-US"/>
           </a:p>
@@ -3814,7 +3814,7 @@
           <a:p>
             <a:fld id="{F6FA2B21-3FCD-4721-B95C-427943F61125}" type="datetime1">
               <a:rPr lang="en-US" smtClean="0"/>
-              <a:t>10/17/23</a:t>
+              <a:t>11/28/23</a:t>
             </a:fld>
             <a:endParaRPr lang="en-US"/>
           </a:p>
@@ -4193,7 +4193,7 @@
           <a:p>
             <a:fld id="{F6FA2B21-3FCD-4721-B95C-427943F61125}" type="datetime1">
               <a:rPr lang="en-US" smtClean="0"/>
-              <a:t>10/17/23</a:t>
+              <a:t>11/28/23</a:t>
             </a:fld>
             <a:endParaRPr lang="en-US"/>
           </a:p>
@@ -4317,7 +4317,7 @@
           <a:p>
             <a:fld id="{F6FA2B21-3FCD-4721-B95C-427943F61125}" type="datetime1">
               <a:rPr lang="en-US" smtClean="0"/>
-              <a:t>10/17/23</a:t>
+              <a:t>11/28/23</a:t>
             </a:fld>
             <a:endParaRPr lang="en-US"/>
           </a:p>
@@ -4413,7 +4413,7 @@
           <a:p>
             <a:fld id="{F6FA2B21-3FCD-4721-B95C-427943F61125}" type="datetime1">
               <a:rPr lang="en-US" smtClean="0"/>
-              <a:t>10/17/23</a:t>
+              <a:t>11/28/23</a:t>
             </a:fld>
             <a:endParaRPr lang="en-US"/>
           </a:p>
@@ -4665,7 +4665,7 @@
           <a:p>
             <a:fld id="{F6FA2B21-3FCD-4721-B95C-427943F61125}" type="datetime1">
               <a:rPr lang="en-US" smtClean="0"/>
-              <a:t>10/17/23</a:t>
+              <a:t>11/28/23</a:t>
             </a:fld>
             <a:endParaRPr lang="en-US"/>
           </a:p>
@@ -4958,7 +4958,7 @@
           <a:p>
             <a:fld id="{F6FA2B21-3FCD-4721-B95C-427943F61125}" type="datetime1">
               <a:rPr lang="en-US" smtClean="0"/>
-              <a:t>10/17/23</a:t>
+              <a:t>11/28/23</a:t>
             </a:fld>
             <a:endParaRPr lang="en-US"/>
           </a:p>
@@ -5172,7 +5172,7 @@
           <a:p>
             <a:fld id="{F6FA2B21-3FCD-4721-B95C-427943F61125}" type="datetime1">
               <a:rPr lang="en-US" smtClean="0"/>
-              <a:t>10/17/23</a:t>
+              <a:t>11/28/23</a:t>
             </a:fld>
             <a:endParaRPr lang="en-US"/>
           </a:p>
@@ -5922,6 +5922,9 @@
           <a:prstGeom prst="rect">
             <a:avLst/>
           </a:prstGeom>
+          <a:solidFill>
+            <a:schemeClr val="accent1"/>
+          </a:solidFill>
         </p:spPr>
       </p:pic>
       <p:pic>
@@ -6126,7 +6129,7 @@
             <a:avLst/>
           </a:prstGeom>
           <a:solidFill>
-            <a:srgbClr val="0070C0"/>
+            <a:srgbClr val="241B4A"/>
           </a:solidFill>
           <a:scene3d>
             <a:camera prst="orthographicFront"/>
